--- a/Documents/Poster_TED_Talk_Popularity_Prediction_ShijieLiu.pptx
+++ b/Documents/Poster_TED_Talk_Popularity_Prediction_ShijieLiu.pptx
@@ -126,12 +126,12 @@
   <pc:docChgLst>
     <pc:chgData name=" " userId="665815af-b27a-437d-8049-49999e8278b7" providerId="ADAL" clId="{55013B2E-541A-44B0-A74E-148D70D199F8}"/>
     <pc:docChg chg="undo custSel addSld modSld modMainMaster">
-      <pc:chgData name=" " userId="665815af-b27a-437d-8049-49999e8278b7" providerId="ADAL" clId="{55013B2E-541A-44B0-A74E-148D70D199F8}" dt="2018-12-17T15:55:50.157" v="642" actId="1076"/>
+      <pc:chgData name=" " userId="665815af-b27a-437d-8049-49999e8278b7" providerId="ADAL" clId="{55013B2E-541A-44B0-A74E-148D70D199F8}" dt="2018-12-18T18:11:30.723" v="704" actId="113"/>
       <pc:docMkLst>
         <pc:docMk/>
       </pc:docMkLst>
       <pc:sldChg chg="addSp delSp modSp setBg">
-        <pc:chgData name=" " userId="665815af-b27a-437d-8049-49999e8278b7" providerId="ADAL" clId="{55013B2E-541A-44B0-A74E-148D70D199F8}" dt="2018-12-17T15:55:50.157" v="642" actId="1076"/>
+        <pc:chgData name=" " userId="665815af-b27a-437d-8049-49999e8278b7" providerId="ADAL" clId="{55013B2E-541A-44B0-A74E-148D70D199F8}" dt="2018-12-18T18:11:30.723" v="704" actId="113"/>
         <pc:sldMkLst>
           <pc:docMk/>
           <pc:sldMk cId="931198942" sldId="256"/>
@@ -185,7 +185,7 @@
           </ac:spMkLst>
         </pc:spChg>
         <pc:spChg chg="mod">
-          <ac:chgData name=" " userId="665815af-b27a-437d-8049-49999e8278b7" providerId="ADAL" clId="{55013B2E-541A-44B0-A74E-148D70D199F8}" dt="2018-11-28T05:27:23.189" v="357" actId="1036"/>
+          <ac:chgData name=" " userId="665815af-b27a-437d-8049-49999e8278b7" providerId="ADAL" clId="{55013B2E-541A-44B0-A74E-148D70D199F8}" dt="2018-12-18T18:11:30.723" v="704" actId="113"/>
           <ac:spMkLst>
             <pc:docMk/>
             <pc:sldMk cId="931198942" sldId="256"/>
@@ -326,6 +326,14 @@
             <pc:docMk/>
             <pc:sldMk cId="931198942" sldId="256"/>
             <ac:spMk id="68" creationId="{00000000-0000-0000-0000-000000000000}"/>
+          </ac:spMkLst>
+        </pc:spChg>
+        <pc:spChg chg="mod">
+          <ac:chgData name=" " userId="665815af-b27a-437d-8049-49999e8278b7" providerId="ADAL" clId="{55013B2E-541A-44B0-A74E-148D70D199F8}" dt="2018-12-18T18:11:14.359" v="703" actId="1076"/>
+          <ac:spMkLst>
+            <pc:docMk/>
+            <pc:sldMk cId="931198942" sldId="256"/>
+            <ac:spMk id="69" creationId="{00000000-0000-0000-0000-000000000000}"/>
           </ac:spMkLst>
         </pc:spChg>
         <pc:spChg chg="mod">
@@ -2233,13 +2241,6 @@
         </dgm:presLayoutVars>
       </dgm:prSet>
       <dgm:spPr/>
-      <dgm:t>
-        <a:bodyPr/>
-        <a:lstStyle/>
-        <a:p>
-          <a:endParaRPr lang="en-US"/>
-        </a:p>
-      </dgm:t>
     </dgm:pt>
   </dgm:ptLst>
   <dgm:cxnLst>
@@ -2276,13 +2277,6 @@
         </dgm:presLayoutVars>
       </dgm:prSet>
       <dgm:spPr/>
-      <dgm:t>
-        <a:bodyPr/>
-        <a:lstStyle/>
-        <a:p>
-          <a:endParaRPr lang="en-US"/>
-        </a:p>
-      </dgm:t>
     </dgm:pt>
   </dgm:ptLst>
   <dgm:cxnLst>
@@ -4983,7 +4977,7 @@
           <a:p>
             <a:fld id="{F1C0B079-A316-4C9B-B165-DF9EA8325D2C}" type="datetimeFigureOut">
               <a:rPr lang="en-US" smtClean="0"/>
-              <a:t>12/17/2018</a:t>
+              <a:t>12/18/2018</a:t>
             </a:fld>
             <a:endParaRPr lang="en-US"/>
           </a:p>
@@ -5148,7 +5142,7 @@
           <a:p>
             <a:fld id="{38F28AB8-57D1-494F-9851-055AD867E790}" type="datetimeFigureOut">
               <a:rPr lang="en-US" smtClean="0"/>
-              <a:t>12/17/2018</a:t>
+              <a:t>12/18/2018</a:t>
             </a:fld>
             <a:endParaRPr lang="en-US"/>
           </a:p>
@@ -8441,7 +8435,7 @@
           <a:p>
             <a:fld id="{ECAA57DF-1C19-4726-AB84-014692BAD8F5}" type="datetimeFigureOut">
               <a:rPr lang="en-US" smtClean="0"/>
-              <a:t>12/17/2018</a:t>
+              <a:t>12/18/2018</a:t>
             </a:fld>
             <a:endParaRPr lang="en-US"/>
           </a:p>
@@ -8780,7 +8774,7 @@
             <a:fld id="{ECAA57DF-1C19-4726-AB84-014692BAD8F5}" type="datetimeFigureOut">
               <a:rPr lang="en-US" smtClean="0"/>
               <a:pPr/>
-              <a:t>12/17/2018</a:t>
+              <a:t>12/18/2018</a:t>
             </a:fld>
             <a:endParaRPr lang="en-US"/>
           </a:p>
@@ -9357,7 +9351,7 @@
               <a:t>Liu, Shijie | </a:t>
             </a:r>
             <a:r>
-              <a:rPr lang="en-US" b="1" smtClean="0"/>
+              <a:rPr lang="en-US" b="1"/>
               <a:t>Dr. Liu</a:t>
             </a:r>
             <a:r>
@@ -9404,7 +9398,7 @@
         </p:nvSpPr>
         <p:spPr>
           <a:xfrm>
-            <a:off x="1158241" y="7122931"/>
+            <a:off x="1352166" y="7197870"/>
             <a:ext cx="12674681" cy="5764772"/>
           </a:xfrm>
         </p:spPr>
@@ -9415,117 +9409,22 @@
           <a:lstStyle/>
           <a:p>
             <a:r>
-              <a:rPr lang="en-US" dirty="0" smtClean="0">
-                <a:latin typeface="Times New Roman" panose="02020603050405020304" pitchFamily="18" charset="0"/>
-                <a:cs typeface="Times New Roman" panose="02020603050405020304" pitchFamily="18" charset="0"/>
-              </a:rPr>
-              <a:t>	      TED </a:t>
-            </a:r>
-            <a:r>
               <a:rPr lang="en-US" dirty="0">
                 <a:latin typeface="Times New Roman" panose="02020603050405020304" pitchFamily="18" charset="0"/>
                 <a:cs typeface="Times New Roman" panose="02020603050405020304" pitchFamily="18" charset="0"/>
               </a:rPr>
-              <a:t>Talks (Technology, Entertainment, and </a:t>
+              <a:t>	      </a:t>
             </a:r>
             <a:r>
-              <a:rPr lang="en-US" dirty="0" smtClean="0">
-                <a:latin typeface="Times New Roman" panose="02020603050405020304" pitchFamily="18" charset="0"/>
-                <a:cs typeface="Times New Roman" panose="02020603050405020304" pitchFamily="18" charset="0"/>
-              </a:rPr>
-              <a:t>	      Design</a:t>
+              <a:rPr lang="en-US" dirty="0"/>
+              <a:t>TED (Technology, Entertainment, and Design) 	      Talks are being posted by TED Conference 	      LLC for free on their website and YouTube 	      Channel under the slogan of “ideas worth 	      spreading”. TED Talk offers a wide range of 	      topics within the research and practice of 	      science and culture, and often through 	      storytelling. It has a variety of presenters as well, such as Writer, Researcher, and Scientist. TED also gives people the right to raise their own local TEDx Event. How could TED filter and determine which talk shall be published? What an organizer could do to make his/her talk more popular? In this project, I would like to apply Exploratory Data Analysis on all the available attributes and help people to have a better understanding of what are the variables that could affect the popularity of a TED Talk. In addition, applying Natural Language Processing technique on the TED Talk transcript, and then train a classification model with algorithms that could predict the popularity of TED Talk. </a:t>
             </a:r>
-            <a:r>
-              <a:rPr lang="en-US" dirty="0">
-                <a:latin typeface="Times New Roman" panose="02020603050405020304" pitchFamily="18" charset="0"/>
-                <a:cs typeface="Times New Roman" panose="02020603050405020304" pitchFamily="18" charset="0"/>
-              </a:rPr>
-              <a:t>) are being posted by TED Conference </a:t>
-            </a:r>
-            <a:r>
-              <a:rPr lang="en-US" dirty="0" smtClean="0">
-                <a:latin typeface="Times New Roman" panose="02020603050405020304" pitchFamily="18" charset="0"/>
-                <a:cs typeface="Times New Roman" panose="02020603050405020304" pitchFamily="18" charset="0"/>
-              </a:rPr>
-              <a:t>	      LLC </a:t>
-            </a:r>
-            <a:r>
-              <a:rPr lang="en-US" dirty="0">
-                <a:latin typeface="Times New Roman" panose="02020603050405020304" pitchFamily="18" charset="0"/>
-                <a:cs typeface="Times New Roman" panose="02020603050405020304" pitchFamily="18" charset="0"/>
-              </a:rPr>
-              <a:t>for free on their website and YouTube </a:t>
-            </a:r>
-            <a:r>
-              <a:rPr lang="en-US" dirty="0" smtClean="0">
-                <a:latin typeface="Times New Roman" panose="02020603050405020304" pitchFamily="18" charset="0"/>
-                <a:cs typeface="Times New Roman" panose="02020603050405020304" pitchFamily="18" charset="0"/>
-              </a:rPr>
-              <a:t>	      Channel </a:t>
-            </a:r>
-            <a:r>
-              <a:rPr lang="en-US" dirty="0">
-                <a:latin typeface="Times New Roman" panose="02020603050405020304" pitchFamily="18" charset="0"/>
-                <a:cs typeface="Times New Roman" panose="02020603050405020304" pitchFamily="18" charset="0"/>
-              </a:rPr>
-              <a:t>under the slogan of “ideas worth </a:t>
-            </a:r>
-            <a:r>
-              <a:rPr lang="en-US" dirty="0" smtClean="0">
-                <a:latin typeface="Times New Roman" panose="02020603050405020304" pitchFamily="18" charset="0"/>
-                <a:cs typeface="Times New Roman" panose="02020603050405020304" pitchFamily="18" charset="0"/>
-              </a:rPr>
-              <a:t>	      spreading</a:t>
-            </a:r>
-            <a:r>
-              <a:rPr lang="en-US" dirty="0">
-                <a:latin typeface="Times New Roman" panose="02020603050405020304" pitchFamily="18" charset="0"/>
-                <a:cs typeface="Times New Roman" panose="02020603050405020304" pitchFamily="18" charset="0"/>
-              </a:rPr>
-              <a:t>”. TED Talk offers a wide range of </a:t>
-            </a:r>
-            <a:r>
-              <a:rPr lang="en-US" dirty="0" smtClean="0">
-                <a:latin typeface="Times New Roman" panose="02020603050405020304" pitchFamily="18" charset="0"/>
-                <a:cs typeface="Times New Roman" panose="02020603050405020304" pitchFamily="18" charset="0"/>
-              </a:rPr>
-              <a:t>	      topics </a:t>
-            </a:r>
-            <a:r>
-              <a:rPr lang="en-US" dirty="0">
-                <a:latin typeface="Times New Roman" panose="02020603050405020304" pitchFamily="18" charset="0"/>
-                <a:cs typeface="Times New Roman" panose="02020603050405020304" pitchFamily="18" charset="0"/>
-              </a:rPr>
-              <a:t>within the research and practice of </a:t>
-            </a:r>
-            <a:r>
-              <a:rPr lang="en-US" dirty="0" smtClean="0">
-                <a:latin typeface="Times New Roman" panose="02020603050405020304" pitchFamily="18" charset="0"/>
-                <a:cs typeface="Times New Roman" panose="02020603050405020304" pitchFamily="18" charset="0"/>
-              </a:rPr>
-              <a:t>science </a:t>
-            </a:r>
-            <a:r>
-              <a:rPr lang="en-US" dirty="0">
-                <a:latin typeface="Times New Roman" panose="02020603050405020304" pitchFamily="18" charset="0"/>
-                <a:cs typeface="Times New Roman" panose="02020603050405020304" pitchFamily="18" charset="0"/>
-              </a:rPr>
-              <a:t>and culture, often through storytelling. As well as, it has a variety of presenters, such as, Writer, Researcher, and Scientist. TED also give people the right to raise their own local </a:t>
-            </a:r>
-            <a:r>
-              <a:rPr lang="en-US" dirty="0" smtClean="0">
-                <a:latin typeface="Times New Roman" panose="02020603050405020304" pitchFamily="18" charset="0"/>
-                <a:cs typeface="Times New Roman" panose="02020603050405020304" pitchFamily="18" charset="0"/>
-              </a:rPr>
-              <a:t>TED X </a:t>
-            </a:r>
-            <a:r>
-              <a:rPr lang="en-US" dirty="0">
-                <a:latin typeface="Times New Roman" panose="02020603050405020304" pitchFamily="18" charset="0"/>
-                <a:cs typeface="Times New Roman" panose="02020603050405020304" pitchFamily="18" charset="0"/>
-              </a:rPr>
-              <a:t>Event. Therefore, questions like, how could TED filter and determine which talk shall be published and what an organizer could do to make his/her talk more popular?  In this project, I would like to apply Exploratory Data Analysis on all the available attributes and have a better understanding of what are the variables that could affect the popularity of a TED Talk. Also, applying Natural Language Processing technique on the TED Talk transcript. Then, I would like to train a classification model with algorithms that could predict the popularity of TED Talk. </a:t>
-            </a:r>
+          </a:p>
+          <a:p>
+            <a:endParaRPr lang="en-US" dirty="0">
+              <a:latin typeface="Times New Roman" panose="02020603050405020304" pitchFamily="18" charset="0"/>
+              <a:cs typeface="Times New Roman" panose="02020603050405020304" pitchFamily="18" charset="0"/>
+            </a:endParaRPr>
           </a:p>
         </p:txBody>
       </p:sp>
@@ -9555,18 +9454,18 @@
               <a:buNone/>
             </a:pPr>
             <a:r>
-              <a:rPr lang="en-US" dirty="0" smtClean="0">
+              <a:rPr lang="en-US" b="1" dirty="0">
                 <a:latin typeface="Times New Roman" panose="02020603050405020304" pitchFamily="18" charset="0"/>
                 <a:cs typeface="Times New Roman" panose="02020603050405020304" pitchFamily="18" charset="0"/>
               </a:rPr>
-              <a:t>KEYWORDS: </a:t>
+              <a:t>KEYWORDS</a:t>
             </a:r>
             <a:r>
               <a:rPr lang="en-US" dirty="0">
                 <a:latin typeface="Times New Roman" panose="02020603050405020304" pitchFamily="18" charset="0"/>
                 <a:cs typeface="Times New Roman" panose="02020603050405020304" pitchFamily="18" charset="0"/>
               </a:rPr>
-              <a:t>Exploratory Data Analysis, Visualization, Classification, Natural Language Processing </a:t>
+              <a:t>: Exploratory Data Analysis, Visualization, Classification, Natural Language Processing </a:t>
             </a:r>
           </a:p>
         </p:txBody>
@@ -9680,21 +9579,21 @@
                 <a:gridCol w="2895600">
                   <a:extLst>
                     <a:ext uri="{9D8B030D-6E8A-4147-A177-3AD203B41FA5}">
-                      <a16:colId xmlns="" xmlns:a16="http://schemas.microsoft.com/office/drawing/2014/main" val="20002"/>
+                      <a16:colId xmlns:a16="http://schemas.microsoft.com/office/drawing/2014/main" val="20002"/>
                     </a:ext>
                   </a:extLst>
                 </a:gridCol>
                 <a:gridCol w="1981200">
                   <a:extLst>
                     <a:ext uri="{9D8B030D-6E8A-4147-A177-3AD203B41FA5}">
-                      <a16:colId xmlns="" xmlns:a16="http://schemas.microsoft.com/office/drawing/2014/main" val="20000"/>
+                      <a16:colId xmlns:a16="http://schemas.microsoft.com/office/drawing/2014/main" val="20000"/>
                     </a:ext>
                   </a:extLst>
                 </a:gridCol>
                 <a:gridCol w="7924800">
                   <a:extLst>
                     <a:ext uri="{9D8B030D-6E8A-4147-A177-3AD203B41FA5}">
-                      <a16:colId xmlns="" xmlns:a16="http://schemas.microsoft.com/office/drawing/2014/main" val="20001"/>
+                      <a16:colId xmlns:a16="http://schemas.microsoft.com/office/drawing/2014/main" val="20001"/>
                     </a:ext>
                   </a:extLst>
                 </a:gridCol>
@@ -9765,7 +9664,7 @@
                 </a:tc>
                 <a:extLst>
                   <a:ext uri="{0D108BD9-81ED-4DB2-BD59-A6C34878D82A}">
-                    <a16:rowId xmlns="" xmlns:a16="http://schemas.microsoft.com/office/drawing/2014/main" val="10000"/>
+                    <a16:rowId xmlns:a16="http://schemas.microsoft.com/office/drawing/2014/main" val="10000"/>
                   </a:ext>
                 </a:extLst>
               </a:tr>
@@ -9826,7 +9725,7 @@
                 </a:tc>
                 <a:extLst>
                   <a:ext uri="{0D108BD9-81ED-4DB2-BD59-A6C34878D82A}">
-                    <a16:rowId xmlns="" xmlns:a16="http://schemas.microsoft.com/office/drawing/2014/main" val="10001"/>
+                    <a16:rowId xmlns:a16="http://schemas.microsoft.com/office/drawing/2014/main" val="10001"/>
                   </a:ext>
                 </a:extLst>
               </a:tr>
@@ -9887,7 +9786,7 @@
                 </a:tc>
                 <a:extLst>
                   <a:ext uri="{0D108BD9-81ED-4DB2-BD59-A6C34878D82A}">
-                    <a16:rowId xmlns="" xmlns:a16="http://schemas.microsoft.com/office/drawing/2014/main" val="10002"/>
+                    <a16:rowId xmlns:a16="http://schemas.microsoft.com/office/drawing/2014/main" val="10002"/>
                   </a:ext>
                 </a:extLst>
               </a:tr>
@@ -9948,7 +9847,7 @@
                 </a:tc>
                 <a:extLst>
                   <a:ext uri="{0D108BD9-81ED-4DB2-BD59-A6C34878D82A}">
-                    <a16:rowId xmlns="" xmlns:a16="http://schemas.microsoft.com/office/drawing/2014/main" val="10003"/>
+                    <a16:rowId xmlns:a16="http://schemas.microsoft.com/office/drawing/2014/main" val="10003"/>
                   </a:ext>
                 </a:extLst>
               </a:tr>
@@ -10017,7 +9916,7 @@
                 </a:tc>
                 <a:extLst>
                   <a:ext uri="{0D108BD9-81ED-4DB2-BD59-A6C34878D82A}">
-                    <a16:rowId xmlns="" xmlns:a16="http://schemas.microsoft.com/office/drawing/2014/main" val="10004"/>
+                    <a16:rowId xmlns:a16="http://schemas.microsoft.com/office/drawing/2014/main" val="10004"/>
                   </a:ext>
                 </a:extLst>
               </a:tr>
@@ -10078,7 +9977,7 @@
                 </a:tc>
                 <a:extLst>
                   <a:ext uri="{0D108BD9-81ED-4DB2-BD59-A6C34878D82A}">
-                    <a16:rowId xmlns="" xmlns:a16="http://schemas.microsoft.com/office/drawing/2014/main" val="10005"/>
+                    <a16:rowId xmlns:a16="http://schemas.microsoft.com/office/drawing/2014/main" val="10005"/>
                   </a:ext>
                 </a:extLst>
               </a:tr>
@@ -10139,7 +10038,7 @@
                 </a:tc>
                 <a:extLst>
                   <a:ext uri="{0D108BD9-81ED-4DB2-BD59-A6C34878D82A}">
-                    <a16:rowId xmlns="" xmlns:a16="http://schemas.microsoft.com/office/drawing/2014/main" val="10006"/>
+                    <a16:rowId xmlns:a16="http://schemas.microsoft.com/office/drawing/2014/main" val="10006"/>
                   </a:ext>
                 </a:extLst>
               </a:tr>
@@ -10200,7 +10099,7 @@
                 </a:tc>
                 <a:extLst>
                   <a:ext uri="{0D108BD9-81ED-4DB2-BD59-A6C34878D82A}">
-                    <a16:rowId xmlns="" xmlns:a16="http://schemas.microsoft.com/office/drawing/2014/main" val="10007"/>
+                    <a16:rowId xmlns:a16="http://schemas.microsoft.com/office/drawing/2014/main" val="10007"/>
                   </a:ext>
                 </a:extLst>
               </a:tr>
@@ -10261,7 +10160,7 @@
                 </a:tc>
                 <a:extLst>
                   <a:ext uri="{0D108BD9-81ED-4DB2-BD59-A6C34878D82A}">
-                    <a16:rowId xmlns="" xmlns:a16="http://schemas.microsoft.com/office/drawing/2014/main" val="10008"/>
+                    <a16:rowId xmlns:a16="http://schemas.microsoft.com/office/drawing/2014/main" val="10008"/>
                   </a:ext>
                 </a:extLst>
               </a:tr>
@@ -10322,7 +10221,7 @@
                 </a:tc>
                 <a:extLst>
                   <a:ext uri="{0D108BD9-81ED-4DB2-BD59-A6C34878D82A}">
-                    <a16:rowId xmlns="" xmlns:a16="http://schemas.microsoft.com/office/drawing/2014/main" val="10009"/>
+                    <a16:rowId xmlns:a16="http://schemas.microsoft.com/office/drawing/2014/main" val="10009"/>
                   </a:ext>
                 </a:extLst>
               </a:tr>
@@ -10383,7 +10282,7 @@
                 </a:tc>
                 <a:extLst>
                   <a:ext uri="{0D108BD9-81ED-4DB2-BD59-A6C34878D82A}">
-                    <a16:rowId xmlns="" xmlns:a16="http://schemas.microsoft.com/office/drawing/2014/main" val="10010"/>
+                    <a16:rowId xmlns:a16="http://schemas.microsoft.com/office/drawing/2014/main" val="10010"/>
                   </a:ext>
                 </a:extLst>
               </a:tr>
@@ -10452,7 +10351,7 @@
                 </a:tc>
                 <a:extLst>
                   <a:ext uri="{0D108BD9-81ED-4DB2-BD59-A6C34878D82A}">
-                    <a16:rowId xmlns="" xmlns:a16="http://schemas.microsoft.com/office/drawing/2014/main" val="10011"/>
+                    <a16:rowId xmlns:a16="http://schemas.microsoft.com/office/drawing/2014/main" val="10011"/>
                   </a:ext>
                 </a:extLst>
               </a:tr>
@@ -10513,7 +10412,7 @@
                 </a:tc>
                 <a:extLst>
                   <a:ext uri="{0D108BD9-81ED-4DB2-BD59-A6C34878D82A}">
-                    <a16:rowId xmlns="" xmlns:a16="http://schemas.microsoft.com/office/drawing/2014/main" val="10012"/>
+                    <a16:rowId xmlns:a16="http://schemas.microsoft.com/office/drawing/2014/main" val="10012"/>
                   </a:ext>
                 </a:extLst>
               </a:tr>
@@ -10574,7 +10473,7 @@
                 </a:tc>
                 <a:extLst>
                   <a:ext uri="{0D108BD9-81ED-4DB2-BD59-A6C34878D82A}">
-                    <a16:rowId xmlns="" xmlns:a16="http://schemas.microsoft.com/office/drawing/2014/main" val="10013"/>
+                    <a16:rowId xmlns:a16="http://schemas.microsoft.com/office/drawing/2014/main" val="10013"/>
                   </a:ext>
                 </a:extLst>
               </a:tr>
@@ -10635,7 +10534,7 @@
                 </a:tc>
                 <a:extLst>
                   <a:ext uri="{0D108BD9-81ED-4DB2-BD59-A6C34878D82A}">
-                    <a16:rowId xmlns="" xmlns:a16="http://schemas.microsoft.com/office/drawing/2014/main" val="10014"/>
+                    <a16:rowId xmlns:a16="http://schemas.microsoft.com/office/drawing/2014/main" val="10014"/>
                   </a:ext>
                 </a:extLst>
               </a:tr>
@@ -10696,7 +10595,7 @@
                 </a:tc>
                 <a:extLst>
                   <a:ext uri="{0D108BD9-81ED-4DB2-BD59-A6C34878D82A}">
-                    <a16:rowId xmlns="" xmlns:a16="http://schemas.microsoft.com/office/drawing/2014/main" val="10015"/>
+                    <a16:rowId xmlns:a16="http://schemas.microsoft.com/office/drawing/2014/main" val="10015"/>
                   </a:ext>
                 </a:extLst>
               </a:tr>
@@ -10757,7 +10656,7 @@
                 </a:tc>
                 <a:extLst>
                   <a:ext uri="{0D108BD9-81ED-4DB2-BD59-A6C34878D82A}">
-                    <a16:rowId xmlns="" xmlns:a16="http://schemas.microsoft.com/office/drawing/2014/main" val="10016"/>
+                    <a16:rowId xmlns:a16="http://schemas.microsoft.com/office/drawing/2014/main" val="10016"/>
                   </a:ext>
                 </a:extLst>
               </a:tr>
@@ -10818,7 +10717,7 @@
                 </a:tc>
                 <a:extLst>
                   <a:ext uri="{0D108BD9-81ED-4DB2-BD59-A6C34878D82A}">
-                    <a16:rowId xmlns="" xmlns:a16="http://schemas.microsoft.com/office/drawing/2014/main" val="10017"/>
+                    <a16:rowId xmlns:a16="http://schemas.microsoft.com/office/drawing/2014/main" val="10017"/>
                   </a:ext>
                 </a:extLst>
               </a:tr>
@@ -10895,7 +10794,7 @@
                 </a:tc>
                 <a:extLst>
                   <a:ext uri="{0D108BD9-81ED-4DB2-BD59-A6C34878D82A}">
-                    <a16:rowId xmlns="" xmlns:a16="http://schemas.microsoft.com/office/drawing/2014/main" val="10018"/>
+                    <a16:rowId xmlns:a16="http://schemas.microsoft.com/office/drawing/2014/main" val="10018"/>
                   </a:ext>
                 </a:extLst>
               </a:tr>
@@ -11192,7 +11091,7 @@
           <p:cNvPr id="28" name="Title 1">
             <a:extLst>
               <a:ext uri="{FF2B5EF4-FFF2-40B4-BE49-F238E27FC236}">
-                <a16:creationId xmlns="" xmlns:a16="http://schemas.microsoft.com/office/drawing/2014/main" id="{294BD2AC-5A48-463C-8D14-71D39AB3C1FD}"/>
+                <a16:creationId xmlns:a16="http://schemas.microsoft.com/office/drawing/2014/main" id="{294BD2AC-5A48-463C-8D14-71D39AB3C1FD}"/>
               </a:ext>
             </a:extLst>
           </p:cNvPr>
@@ -11230,7 +11129,7 @@
           <p:cNvPr id="16" name="Picture 15">
             <a:extLst>
               <a:ext uri="{FF2B5EF4-FFF2-40B4-BE49-F238E27FC236}">
-                <a16:creationId xmlns="" xmlns:a16="http://schemas.microsoft.com/office/drawing/2014/main" id="{560DA3D0-F0AD-4113-9134-36AD384E4B72}"/>
+                <a16:creationId xmlns:a16="http://schemas.microsoft.com/office/drawing/2014/main" id="{560DA3D0-F0AD-4113-9134-36AD384E4B72}"/>
               </a:ext>
             </a:extLst>
           </p:cNvPr>
@@ -11380,10 +11279,10 @@
           <p:cNvPr id="29" name="Trapezoid 28">
             <a:extLst>
               <a:ext uri="{FF2B5EF4-FFF2-40B4-BE49-F238E27FC236}">
-                <a16:creationId xmlns="" xmlns:a16="http://schemas.microsoft.com/office/drawing/2014/main" id="{5B804E9F-B6B5-41F9-9B63-9AF435FDC2B7}"/>
+                <a16:creationId xmlns:a16="http://schemas.microsoft.com/office/drawing/2014/main" id="{5B804E9F-B6B5-41F9-9B63-9AF435FDC2B7}"/>
               </a:ext>
               <a:ext uri="{C183D7F6-B498-43B3-948B-1728B52AA6E4}">
-                <adec:decorative xmlns="" xmlns:adec="http://schemas.microsoft.com/office/drawing/2017/decorative" val="1"/>
+                <adec:decorative xmlns:adec="http://schemas.microsoft.com/office/drawing/2017/decorative" val="1"/>
               </a:ext>
             </a:extLst>
           </p:cNvPr>
@@ -11437,10 +11336,10 @@
           <p:cNvPr id="30" name="Trapezoid 29">
             <a:extLst>
               <a:ext uri="{FF2B5EF4-FFF2-40B4-BE49-F238E27FC236}">
-                <a16:creationId xmlns="" xmlns:a16="http://schemas.microsoft.com/office/drawing/2014/main" id="{0092C447-C8E1-4B12-B012-E6D21CBB1FBE}"/>
+                <a16:creationId xmlns:a16="http://schemas.microsoft.com/office/drawing/2014/main" id="{0092C447-C8E1-4B12-B012-E6D21CBB1FBE}"/>
               </a:ext>
               <a:ext uri="{C183D7F6-B498-43B3-948B-1728B52AA6E4}">
-                <adec:decorative xmlns="" xmlns:adec="http://schemas.microsoft.com/office/drawing/2017/decorative" val="1"/>
+                <adec:decorative xmlns:adec="http://schemas.microsoft.com/office/drawing/2017/decorative" val="1"/>
               </a:ext>
             </a:extLst>
           </p:cNvPr>
@@ -11494,10 +11393,10 @@
           <p:cNvPr id="31" name="Trapezoid 30">
             <a:extLst>
               <a:ext uri="{FF2B5EF4-FFF2-40B4-BE49-F238E27FC236}">
-                <a16:creationId xmlns="" xmlns:a16="http://schemas.microsoft.com/office/drawing/2014/main" id="{7E139379-1914-4446-8D6D-984A47041A54}"/>
+                <a16:creationId xmlns:a16="http://schemas.microsoft.com/office/drawing/2014/main" id="{7E139379-1914-4446-8D6D-984A47041A54}"/>
               </a:ext>
               <a:ext uri="{C183D7F6-B498-43B3-948B-1728B52AA6E4}">
-                <adec:decorative xmlns="" xmlns:adec="http://schemas.microsoft.com/office/drawing/2017/decorative" val="1"/>
+                <adec:decorative xmlns:adec="http://schemas.microsoft.com/office/drawing/2017/decorative" val="1"/>
               </a:ext>
             </a:extLst>
           </p:cNvPr>
@@ -11551,10 +11450,10 @@
           <p:cNvPr id="32" name="Trapezoid 31">
             <a:extLst>
               <a:ext uri="{FF2B5EF4-FFF2-40B4-BE49-F238E27FC236}">
-                <a16:creationId xmlns="" xmlns:a16="http://schemas.microsoft.com/office/drawing/2014/main" id="{F79B51BB-1B30-4ED8-B26D-21EE8BC675B2}"/>
+                <a16:creationId xmlns:a16="http://schemas.microsoft.com/office/drawing/2014/main" id="{F79B51BB-1B30-4ED8-B26D-21EE8BC675B2}"/>
               </a:ext>
               <a:ext uri="{C183D7F6-B498-43B3-948B-1728B52AA6E4}">
-                <adec:decorative xmlns="" xmlns:adec="http://schemas.microsoft.com/office/drawing/2017/decorative" val="1"/>
+                <adec:decorative xmlns:adec="http://schemas.microsoft.com/office/drawing/2017/decorative" val="1"/>
               </a:ext>
             </a:extLst>
           </p:cNvPr>
@@ -11608,10 +11507,10 @@
           <p:cNvPr id="33" name="Trapezoid 32">
             <a:extLst>
               <a:ext uri="{FF2B5EF4-FFF2-40B4-BE49-F238E27FC236}">
-                <a16:creationId xmlns="" xmlns:a16="http://schemas.microsoft.com/office/drawing/2014/main" id="{89DA262E-0502-4E65-8ABA-E063880EAC4C}"/>
+                <a16:creationId xmlns:a16="http://schemas.microsoft.com/office/drawing/2014/main" id="{89DA262E-0502-4E65-8ABA-E063880EAC4C}"/>
               </a:ext>
               <a:ext uri="{C183D7F6-B498-43B3-948B-1728B52AA6E4}">
-                <adec:decorative xmlns="" xmlns:adec="http://schemas.microsoft.com/office/drawing/2017/decorative" val="1"/>
+                <adec:decorative xmlns:adec="http://schemas.microsoft.com/office/drawing/2017/decorative" val="1"/>
               </a:ext>
             </a:extLst>
           </p:cNvPr>
@@ -11665,7 +11564,7 @@
           <p:cNvPr id="34" name="Rectangle 33">
             <a:extLst>
               <a:ext uri="{FF2B5EF4-FFF2-40B4-BE49-F238E27FC236}">
-                <a16:creationId xmlns="" xmlns:a16="http://schemas.microsoft.com/office/drawing/2014/main" id="{3F19BFA5-D0CA-4CF0-8499-504D956B6563}"/>
+                <a16:creationId xmlns:a16="http://schemas.microsoft.com/office/drawing/2014/main" id="{3F19BFA5-D0CA-4CF0-8499-504D956B6563}"/>
               </a:ext>
             </a:extLst>
           </p:cNvPr>
@@ -11715,7 +11614,7 @@
           <p:cNvPr id="35" name="Rectangle 34">
             <a:extLst>
               <a:ext uri="{FF2B5EF4-FFF2-40B4-BE49-F238E27FC236}">
-                <a16:creationId xmlns="" xmlns:a16="http://schemas.microsoft.com/office/drawing/2014/main" id="{1751D31D-3535-411D-8BAC-95CCC90AB185}"/>
+                <a16:creationId xmlns:a16="http://schemas.microsoft.com/office/drawing/2014/main" id="{1751D31D-3535-411D-8BAC-95CCC90AB185}"/>
               </a:ext>
             </a:extLst>
           </p:cNvPr>
@@ -11754,7 +11653,7 @@
           <p:cNvPr id="36" name="Rectangle 35">
             <a:extLst>
               <a:ext uri="{FF2B5EF4-FFF2-40B4-BE49-F238E27FC236}">
-                <a16:creationId xmlns="" xmlns:a16="http://schemas.microsoft.com/office/drawing/2014/main" id="{FA4D735A-8F75-4E2A-8F1A-CC303B0718BA}"/>
+                <a16:creationId xmlns:a16="http://schemas.microsoft.com/office/drawing/2014/main" id="{FA4D735A-8F75-4E2A-8F1A-CC303B0718BA}"/>
               </a:ext>
             </a:extLst>
           </p:cNvPr>
@@ -11804,7 +11703,7 @@
           <p:cNvPr id="37" name="Rectangle 36">
             <a:extLst>
               <a:ext uri="{FF2B5EF4-FFF2-40B4-BE49-F238E27FC236}">
-                <a16:creationId xmlns="" xmlns:a16="http://schemas.microsoft.com/office/drawing/2014/main" id="{54AB9282-0505-49EB-AABF-998083225E3A}"/>
+                <a16:creationId xmlns:a16="http://schemas.microsoft.com/office/drawing/2014/main" id="{54AB9282-0505-49EB-AABF-998083225E3A}"/>
               </a:ext>
             </a:extLst>
           </p:cNvPr>
@@ -11854,7 +11753,7 @@
           <p:cNvPr id="38" name="Rectangle 37">
             <a:extLst>
               <a:ext uri="{FF2B5EF4-FFF2-40B4-BE49-F238E27FC236}">
-                <a16:creationId xmlns="" xmlns:a16="http://schemas.microsoft.com/office/drawing/2014/main" id="{D668C4B5-BCEC-465A-ADA5-6A054B15F7A3}"/>
+                <a16:creationId xmlns:a16="http://schemas.microsoft.com/office/drawing/2014/main" id="{D668C4B5-BCEC-465A-ADA5-6A054B15F7A3}"/>
               </a:ext>
             </a:extLst>
           </p:cNvPr>
@@ -11904,7 +11803,7 @@
           <p:cNvPr id="39" name="Rectangle 38">
             <a:extLst>
               <a:ext uri="{FF2B5EF4-FFF2-40B4-BE49-F238E27FC236}">
-                <a16:creationId xmlns="" xmlns:a16="http://schemas.microsoft.com/office/drawing/2014/main" id="{8AA18108-5B8B-4147-84A7-D30A16BEC4EA}"/>
+                <a16:creationId xmlns:a16="http://schemas.microsoft.com/office/drawing/2014/main" id="{8AA18108-5B8B-4147-84A7-D30A16BEC4EA}"/>
               </a:ext>
             </a:extLst>
           </p:cNvPr>
@@ -11967,7 +11866,7 @@
           <p:cNvPr id="40" name="Rectangle 39">
             <a:extLst>
               <a:ext uri="{FF2B5EF4-FFF2-40B4-BE49-F238E27FC236}">
-                <a16:creationId xmlns="" xmlns:a16="http://schemas.microsoft.com/office/drawing/2014/main" id="{A8534162-B6E2-4579-9DAD-AD8DE07459BC}"/>
+                <a16:creationId xmlns:a16="http://schemas.microsoft.com/office/drawing/2014/main" id="{A8534162-B6E2-4579-9DAD-AD8DE07459BC}"/>
               </a:ext>
             </a:extLst>
           </p:cNvPr>
@@ -12030,7 +11929,7 @@
           <p:cNvPr id="41" name="Rectangle 40">
             <a:extLst>
               <a:ext uri="{FF2B5EF4-FFF2-40B4-BE49-F238E27FC236}">
-                <a16:creationId xmlns="" xmlns:a16="http://schemas.microsoft.com/office/drawing/2014/main" id="{E1535E1C-6EBC-45D8-BCE1-D5B947A61FB6}"/>
+                <a16:creationId xmlns:a16="http://schemas.microsoft.com/office/drawing/2014/main" id="{E1535E1C-6EBC-45D8-BCE1-D5B947A61FB6}"/>
               </a:ext>
             </a:extLst>
           </p:cNvPr>
@@ -12074,7 +11973,7 @@
           <p:cNvPr id="42" name="Rectangle 41">
             <a:extLst>
               <a:ext uri="{FF2B5EF4-FFF2-40B4-BE49-F238E27FC236}">
-                <a16:creationId xmlns="" xmlns:a16="http://schemas.microsoft.com/office/drawing/2014/main" id="{28FF18A5-7B4E-4493-B38D-E732E033F82F}"/>
+                <a16:creationId xmlns:a16="http://schemas.microsoft.com/office/drawing/2014/main" id="{28FF18A5-7B4E-4493-B38D-E732E033F82F}"/>
               </a:ext>
             </a:extLst>
           </p:cNvPr>
@@ -12118,7 +12017,7 @@
           <p:cNvPr id="43" name="Rectangle 42">
             <a:extLst>
               <a:ext uri="{FF2B5EF4-FFF2-40B4-BE49-F238E27FC236}">
-                <a16:creationId xmlns="" xmlns:a16="http://schemas.microsoft.com/office/drawing/2014/main" id="{5BCD242F-9A97-473E-8E17-3F6C3C75CE68}"/>
+                <a16:creationId xmlns:a16="http://schemas.microsoft.com/office/drawing/2014/main" id="{5BCD242F-9A97-473E-8E17-3F6C3C75CE68}"/>
               </a:ext>
             </a:extLst>
           </p:cNvPr>
@@ -12162,7 +12061,7 @@
           <p:cNvPr id="44" name="Freeform 1676" descr="Icon of check box. ">
             <a:extLst>
               <a:ext uri="{FF2B5EF4-FFF2-40B4-BE49-F238E27FC236}">
-                <a16:creationId xmlns="" xmlns:a16="http://schemas.microsoft.com/office/drawing/2014/main" id="{6FB02354-C73F-4DCF-8004-E9CCA66963EA}"/>
+                <a16:creationId xmlns:a16="http://schemas.microsoft.com/office/drawing/2014/main" id="{6FB02354-C73F-4DCF-8004-E9CCA66963EA}"/>
               </a:ext>
             </a:extLst>
           </p:cNvPr>
@@ -12816,7 +12715,7 @@
           <p:cNvPr id="45" name="Group 44" descr="Icons of bar chart and line graph.">
             <a:extLst>
               <a:ext uri="{FF2B5EF4-FFF2-40B4-BE49-F238E27FC236}">
-                <a16:creationId xmlns="" xmlns:a16="http://schemas.microsoft.com/office/drawing/2014/main" id="{044C3643-8A0E-47C1-BEB8-C73203B5E58D}"/>
+                <a16:creationId xmlns:a16="http://schemas.microsoft.com/office/drawing/2014/main" id="{044C3643-8A0E-47C1-BEB8-C73203B5E58D}"/>
               </a:ext>
             </a:extLst>
           </p:cNvPr>
@@ -12839,7 +12738,7 @@
             <p:cNvPr id="46" name="Freeform 372">
               <a:extLst>
                 <a:ext uri="{FF2B5EF4-FFF2-40B4-BE49-F238E27FC236}">
-                  <a16:creationId xmlns="" xmlns:a16="http://schemas.microsoft.com/office/drawing/2014/main" id="{56E8F5A5-5318-470B-8F42-337C264086AA}"/>
+                  <a16:creationId xmlns:a16="http://schemas.microsoft.com/office/drawing/2014/main" id="{56E8F5A5-5318-470B-8F42-337C264086AA}"/>
                 </a:ext>
               </a:extLst>
             </p:cNvPr>
@@ -13575,7 +13474,7 @@
             <p:cNvPr id="47" name="Freeform 373">
               <a:extLst>
                 <a:ext uri="{FF2B5EF4-FFF2-40B4-BE49-F238E27FC236}">
-                  <a16:creationId xmlns="" xmlns:a16="http://schemas.microsoft.com/office/drawing/2014/main" id="{6AA1356D-8F1B-4281-BEC5-5B4EBF7467B1}"/>
+                  <a16:creationId xmlns:a16="http://schemas.microsoft.com/office/drawing/2014/main" id="{6AA1356D-8F1B-4281-BEC5-5B4EBF7467B1}"/>
                 </a:ext>
               </a:extLst>
             </p:cNvPr>
@@ -14565,7 +14464,7 @@
           <p:cNvPr id="48" name="Freeform 4346" descr="Icon of box and whisker chart. ">
             <a:extLst>
               <a:ext uri="{FF2B5EF4-FFF2-40B4-BE49-F238E27FC236}">
-                <a16:creationId xmlns="" xmlns:a16="http://schemas.microsoft.com/office/drawing/2014/main" id="{D131817A-5B27-4718-8BAC-45C9CEDA45D9}"/>
+                <a16:creationId xmlns:a16="http://schemas.microsoft.com/office/drawing/2014/main" id="{D131817A-5B27-4718-8BAC-45C9CEDA45D9}"/>
               </a:ext>
             </a:extLst>
           </p:cNvPr>
@@ -16280,7 +16179,7 @@
           <p:cNvPr id="49" name="Group 48" descr="Icon of gears. ">
             <a:extLst>
               <a:ext uri="{FF2B5EF4-FFF2-40B4-BE49-F238E27FC236}">
-                <a16:creationId xmlns="" xmlns:a16="http://schemas.microsoft.com/office/drawing/2014/main" id="{5BC0E3F0-447D-4721-AB1F-C8243BA36671}"/>
+                <a16:creationId xmlns:a16="http://schemas.microsoft.com/office/drawing/2014/main" id="{5BC0E3F0-447D-4721-AB1F-C8243BA36671}"/>
               </a:ext>
             </a:extLst>
           </p:cNvPr>
@@ -16303,7 +16202,7 @@
             <p:cNvPr id="50" name="Freeform 4359">
               <a:extLst>
                 <a:ext uri="{FF2B5EF4-FFF2-40B4-BE49-F238E27FC236}">
-                  <a16:creationId xmlns="" xmlns:a16="http://schemas.microsoft.com/office/drawing/2014/main" id="{351831F3-9830-4A23-8B34-11A3FCCA027E}"/>
+                  <a16:creationId xmlns:a16="http://schemas.microsoft.com/office/drawing/2014/main" id="{351831F3-9830-4A23-8B34-11A3FCCA027E}"/>
                 </a:ext>
               </a:extLst>
             </p:cNvPr>
@@ -17301,7 +17200,7 @@
             <p:cNvPr id="51" name="Freeform 4360">
               <a:extLst>
                 <a:ext uri="{FF2B5EF4-FFF2-40B4-BE49-F238E27FC236}">
-                  <a16:creationId xmlns="" xmlns:a16="http://schemas.microsoft.com/office/drawing/2014/main" id="{CDB8F87B-81A2-480F-ADA8-BFB5FD890ACD}"/>
+                  <a16:creationId xmlns:a16="http://schemas.microsoft.com/office/drawing/2014/main" id="{CDB8F87B-81A2-480F-ADA8-BFB5FD890ACD}"/>
                 </a:ext>
               </a:extLst>
             </p:cNvPr>
@@ -18215,7 +18114,7 @@
           <p:cNvPr id="52" name="Freeform 4665" descr="Icon of graph. ">
             <a:extLst>
               <a:ext uri="{FF2B5EF4-FFF2-40B4-BE49-F238E27FC236}">
-                <a16:creationId xmlns="" xmlns:a16="http://schemas.microsoft.com/office/drawing/2014/main" id="{557E39B2-E017-4E5C-B53E-DDE3B9D4C92C}"/>
+                <a16:creationId xmlns:a16="http://schemas.microsoft.com/office/drawing/2014/main" id="{557E39B2-E017-4E5C-B53E-DDE3B9D4C92C}"/>
               </a:ext>
             </a:extLst>
           </p:cNvPr>
@@ -19547,119 +19446,119 @@
                 <a:gridCol w="734066">
                   <a:extLst>
                     <a:ext uri="{9D8B030D-6E8A-4147-A177-3AD203B41FA5}">
-                      <a16:colId xmlns="" xmlns:a16="http://schemas.microsoft.com/office/drawing/2014/main" val="20000"/>
+                      <a16:colId xmlns:a16="http://schemas.microsoft.com/office/drawing/2014/main" val="20000"/>
                     </a:ext>
                   </a:extLst>
                 </a:gridCol>
                 <a:gridCol w="734066">
                   <a:extLst>
                     <a:ext uri="{9D8B030D-6E8A-4147-A177-3AD203B41FA5}">
-                      <a16:colId xmlns="" xmlns:a16="http://schemas.microsoft.com/office/drawing/2014/main" val="20001"/>
+                      <a16:colId xmlns:a16="http://schemas.microsoft.com/office/drawing/2014/main" val="20001"/>
                     </a:ext>
                   </a:extLst>
                 </a:gridCol>
                 <a:gridCol w="734066">
                   <a:extLst>
                     <a:ext uri="{9D8B030D-6E8A-4147-A177-3AD203B41FA5}">
-                      <a16:colId xmlns="" xmlns:a16="http://schemas.microsoft.com/office/drawing/2014/main" val="20002"/>
+                      <a16:colId xmlns:a16="http://schemas.microsoft.com/office/drawing/2014/main" val="20002"/>
                     </a:ext>
                   </a:extLst>
                 </a:gridCol>
                 <a:gridCol w="734066">
                   <a:extLst>
                     <a:ext uri="{9D8B030D-6E8A-4147-A177-3AD203B41FA5}">
-                      <a16:colId xmlns="" xmlns:a16="http://schemas.microsoft.com/office/drawing/2014/main" val="20003"/>
+                      <a16:colId xmlns:a16="http://schemas.microsoft.com/office/drawing/2014/main" val="20003"/>
                     </a:ext>
                   </a:extLst>
                 </a:gridCol>
                 <a:gridCol w="734066">
                   <a:extLst>
                     <a:ext uri="{9D8B030D-6E8A-4147-A177-3AD203B41FA5}">
-                      <a16:colId xmlns="" xmlns:a16="http://schemas.microsoft.com/office/drawing/2014/main" val="20004"/>
+                      <a16:colId xmlns:a16="http://schemas.microsoft.com/office/drawing/2014/main" val="20004"/>
                     </a:ext>
                   </a:extLst>
                 </a:gridCol>
                 <a:gridCol w="734066">
                   <a:extLst>
                     <a:ext uri="{9D8B030D-6E8A-4147-A177-3AD203B41FA5}">
-                      <a16:colId xmlns="" xmlns:a16="http://schemas.microsoft.com/office/drawing/2014/main" val="20005"/>
+                      <a16:colId xmlns:a16="http://schemas.microsoft.com/office/drawing/2014/main" val="20005"/>
                     </a:ext>
                   </a:extLst>
                 </a:gridCol>
                 <a:gridCol w="915750">
                   <a:extLst>
                     <a:ext uri="{9D8B030D-6E8A-4147-A177-3AD203B41FA5}">
-                      <a16:colId xmlns="" xmlns:a16="http://schemas.microsoft.com/office/drawing/2014/main" val="20006"/>
+                      <a16:colId xmlns:a16="http://schemas.microsoft.com/office/drawing/2014/main" val="20006"/>
                     </a:ext>
                   </a:extLst>
                 </a:gridCol>
                 <a:gridCol w="563699">
                   <a:extLst>
                     <a:ext uri="{9D8B030D-6E8A-4147-A177-3AD203B41FA5}">
-                      <a16:colId xmlns="" xmlns:a16="http://schemas.microsoft.com/office/drawing/2014/main" val="20007"/>
+                      <a16:colId xmlns:a16="http://schemas.microsoft.com/office/drawing/2014/main" val="20007"/>
                     </a:ext>
                   </a:extLst>
                 </a:gridCol>
                 <a:gridCol w="901917">
                   <a:extLst>
                     <a:ext uri="{9D8B030D-6E8A-4147-A177-3AD203B41FA5}">
-                      <a16:colId xmlns="" xmlns:a16="http://schemas.microsoft.com/office/drawing/2014/main" val="20008"/>
+                      <a16:colId xmlns:a16="http://schemas.microsoft.com/office/drawing/2014/main" val="20008"/>
                     </a:ext>
                   </a:extLst>
                 </a:gridCol>
                 <a:gridCol w="920708">
                   <a:extLst>
                     <a:ext uri="{9D8B030D-6E8A-4147-A177-3AD203B41FA5}">
-                      <a16:colId xmlns="" xmlns:a16="http://schemas.microsoft.com/office/drawing/2014/main" val="20009"/>
+                      <a16:colId xmlns:a16="http://schemas.microsoft.com/office/drawing/2014/main" val="20009"/>
                     </a:ext>
                   </a:extLst>
                 </a:gridCol>
                 <a:gridCol w="601279">
                   <a:extLst>
                     <a:ext uri="{9D8B030D-6E8A-4147-A177-3AD203B41FA5}">
-                      <a16:colId xmlns="" xmlns:a16="http://schemas.microsoft.com/office/drawing/2014/main" val="20010"/>
+                      <a16:colId xmlns:a16="http://schemas.microsoft.com/office/drawing/2014/main" val="20010"/>
                     </a:ext>
                   </a:extLst>
                 </a:gridCol>
                 <a:gridCol w="948892">
                   <a:extLst>
                     <a:ext uri="{9D8B030D-6E8A-4147-A177-3AD203B41FA5}">
-                      <a16:colId xmlns="" xmlns:a16="http://schemas.microsoft.com/office/drawing/2014/main" val="20011"/>
+                      <a16:colId xmlns:a16="http://schemas.microsoft.com/office/drawing/2014/main" val="20011"/>
                     </a:ext>
                   </a:extLst>
                 </a:gridCol>
                 <a:gridCol w="1143034">
                   <a:extLst>
                     <a:ext uri="{9D8B030D-6E8A-4147-A177-3AD203B41FA5}">
-                      <a16:colId xmlns="" xmlns:a16="http://schemas.microsoft.com/office/drawing/2014/main" val="20012"/>
+                      <a16:colId xmlns:a16="http://schemas.microsoft.com/office/drawing/2014/main" val="20012"/>
                     </a:ext>
                   </a:extLst>
                 </a:gridCol>
                 <a:gridCol w="526117">
                   <a:extLst>
                     <a:ext uri="{9D8B030D-6E8A-4147-A177-3AD203B41FA5}">
-                      <a16:colId xmlns="" xmlns:a16="http://schemas.microsoft.com/office/drawing/2014/main" val="20013"/>
+                      <a16:colId xmlns:a16="http://schemas.microsoft.com/office/drawing/2014/main" val="20013"/>
                     </a:ext>
                   </a:extLst>
                 </a:gridCol>
                 <a:gridCol w="479144">
                   <a:extLst>
                     <a:ext uri="{9D8B030D-6E8A-4147-A177-3AD203B41FA5}">
-                      <a16:colId xmlns="" xmlns:a16="http://schemas.microsoft.com/office/drawing/2014/main" val="20014"/>
+                      <a16:colId xmlns:a16="http://schemas.microsoft.com/office/drawing/2014/main" val="20014"/>
                     </a:ext>
                   </a:extLst>
                 </a:gridCol>
                 <a:gridCol w="628207">
                   <a:extLst>
                     <a:ext uri="{9D8B030D-6E8A-4147-A177-3AD203B41FA5}">
-                      <a16:colId xmlns="" xmlns:a16="http://schemas.microsoft.com/office/drawing/2014/main" val="20015"/>
+                      <a16:colId xmlns:a16="http://schemas.microsoft.com/office/drawing/2014/main" val="20015"/>
                     </a:ext>
                   </a:extLst>
                 </a:gridCol>
                 <a:gridCol w="734066">
                   <a:extLst>
                     <a:ext uri="{9D8B030D-6E8A-4147-A177-3AD203B41FA5}">
-                      <a16:colId xmlns="" xmlns:a16="http://schemas.microsoft.com/office/drawing/2014/main" val="20016"/>
+                      <a16:colId xmlns:a16="http://schemas.microsoft.com/office/drawing/2014/main" val="20016"/>
                     </a:ext>
                   </a:extLst>
                 </a:gridCol>
@@ -19990,7 +19889,7 @@
                 </a:tc>
                 <a:extLst>
                   <a:ext uri="{0D108BD9-81ED-4DB2-BD59-A6C34878D82A}">
-                    <a16:rowId xmlns="" xmlns:a16="http://schemas.microsoft.com/office/drawing/2014/main" val="10000"/>
+                    <a16:rowId xmlns:a16="http://schemas.microsoft.com/office/drawing/2014/main" val="10000"/>
                   </a:ext>
                 </a:extLst>
               </a:tr>
@@ -20281,7 +20180,7 @@
                 </a:tc>
                 <a:extLst>
                   <a:ext uri="{0D108BD9-81ED-4DB2-BD59-A6C34878D82A}">
-                    <a16:rowId xmlns="" xmlns:a16="http://schemas.microsoft.com/office/drawing/2014/main" val="10001"/>
+                    <a16:rowId xmlns:a16="http://schemas.microsoft.com/office/drawing/2014/main" val="10001"/>
                   </a:ext>
                 </a:extLst>
               </a:tr>
@@ -20425,14 +20324,14 @@
                 <a:gridCol w="8978068">
                   <a:extLst>
                     <a:ext uri="{9D8B030D-6E8A-4147-A177-3AD203B41FA5}">
-                      <a16:colId xmlns="" xmlns:a16="http://schemas.microsoft.com/office/drawing/2014/main" val="20000"/>
+                      <a16:colId xmlns:a16="http://schemas.microsoft.com/office/drawing/2014/main" val="20000"/>
                     </a:ext>
                   </a:extLst>
                 </a:gridCol>
                 <a:gridCol w="3823850">
                   <a:extLst>
                     <a:ext uri="{9D8B030D-6E8A-4147-A177-3AD203B41FA5}">
-                      <a16:colId xmlns="" xmlns:a16="http://schemas.microsoft.com/office/drawing/2014/main" val="20001"/>
+                      <a16:colId xmlns:a16="http://schemas.microsoft.com/office/drawing/2014/main" val="20001"/>
                     </a:ext>
                   </a:extLst>
                 </a:gridCol>
@@ -20469,7 +20368,7 @@
                 </a:tc>
                 <a:extLst>
                   <a:ext uri="{0D108BD9-81ED-4DB2-BD59-A6C34878D82A}">
-                    <a16:rowId xmlns="" xmlns:a16="http://schemas.microsoft.com/office/drawing/2014/main" val="10000"/>
+                    <a16:rowId xmlns:a16="http://schemas.microsoft.com/office/drawing/2014/main" val="10000"/>
                   </a:ext>
                 </a:extLst>
               </a:tr>
@@ -20585,7 +20484,7 @@
                 </a:tc>
                 <a:extLst>
                   <a:ext uri="{0D108BD9-81ED-4DB2-BD59-A6C34878D82A}">
-                    <a16:rowId xmlns="" xmlns:a16="http://schemas.microsoft.com/office/drawing/2014/main" val="10001"/>
+                    <a16:rowId xmlns:a16="http://schemas.microsoft.com/office/drawing/2014/main" val="10001"/>
                   </a:ext>
                 </a:extLst>
               </a:tr>
@@ -20780,35 +20679,7 @@
             </a:r>
             <a:r>
               <a:rPr lang="en-US" dirty="0"/>
-              <a:t>Prediction Model based on Multinomial Naïve Bayes [2] </a:t>
-            </a:r>
-            <a:r>
-              <a:rPr lang="en-US" dirty="0" smtClean="0"/>
-              <a:t>algorithm </a:t>
-            </a:r>
-            <a:r>
-              <a:rPr lang="en-US" dirty="0"/>
-              <a:t>is selected as a  better model that has </a:t>
-            </a:r>
-            <a:r>
-              <a:rPr lang="en-US" dirty="0" smtClean="0"/>
-              <a:t>Prediction Accuracy </a:t>
-            </a:r>
-            <a:r>
-              <a:rPr lang="en-US" dirty="0"/>
-              <a:t>of </a:t>
-            </a:r>
-            <a:r>
-              <a:rPr lang="en-US" dirty="0" smtClean="0"/>
-              <a:t> </a:t>
-            </a:r>
-            <a:r>
-              <a:rPr lang="en-US" sz="4000" b="1" dirty="0" smtClean="0">
-                <a:solidFill>
-                  <a:srgbClr val="FF0000"/>
-                </a:solidFill>
-              </a:rPr>
-              <a:t>68</a:t>
+              <a:t>Prediction Model based on Multinomial Naïve Bayes [2] algorithm is selected as a  better model that has Prediction Accuracy of  </a:t>
             </a:r>
             <a:r>
               <a:rPr lang="en-US" sz="4000" b="1" dirty="0">
@@ -20816,7 +20687,7 @@
                   <a:srgbClr val="FF0000"/>
                 </a:solidFill>
               </a:rPr>
-              <a:t>%</a:t>
+              <a:t>68%</a:t>
             </a:r>
             <a:r>
               <a:rPr lang="en-US" dirty="0"/>
@@ -21037,15 +20908,7 @@
             </a:pPr>
             <a:r>
               <a:rPr lang="en-US" sz="1300" b="1" dirty="0"/>
-              <a:t>Figure </a:t>
-            </a:r>
-            <a:r>
-              <a:rPr lang="en-US" sz="1300" b="1" dirty="0" smtClean="0"/>
-              <a:t>5: </a:t>
-            </a:r>
-            <a:r>
-              <a:rPr lang="en-US" sz="1300" b="1" dirty="0"/>
-              <a:t>Boxplot for Publish Month and Views</a:t>
+              <a:t>Figure 5: Boxplot for Publish Month and Views</a:t>
             </a:r>
           </a:p>
         </p:txBody>
@@ -21080,15 +20943,7 @@
             </a:pPr>
             <a:r>
               <a:rPr lang="en-US" sz="1300" b="1" dirty="0"/>
-              <a:t>Figure </a:t>
-            </a:r>
-            <a:r>
-              <a:rPr lang="en-US" sz="1300" b="1" dirty="0" smtClean="0"/>
-              <a:t>6: </a:t>
-            </a:r>
-            <a:r>
-              <a:rPr lang="en-US" sz="1300" b="1" dirty="0"/>
-              <a:t>Boxplot for Publish Weekday and Views </a:t>
+              <a:t>Figure 6: Boxplot for Publish Weekday and Views </a:t>
             </a:r>
           </a:p>
         </p:txBody>
@@ -21120,15 +20975,7 @@
             </a:pPr>
             <a:r>
               <a:rPr lang="en-US" b="1" dirty="0"/>
-              <a:t>Figure </a:t>
-            </a:r>
-            <a:r>
-              <a:rPr lang="en-US" b="1" dirty="0" smtClean="0"/>
-              <a:t>4: </a:t>
-            </a:r>
-            <a:r>
-              <a:rPr lang="en-US" b="1" dirty="0"/>
-              <a:t>Distribution of number of views for each talk</a:t>
+              <a:t>Figure 4: Distribution of number of views for each talk</a:t>
             </a:r>
           </a:p>
           <a:p>
@@ -21166,15 +21013,7 @@
             </a:pPr>
             <a:r>
               <a:rPr lang="en-US" b="1" dirty="0"/>
-              <a:t>Figure </a:t>
-            </a:r>
-            <a:r>
-              <a:rPr lang="en-US" b="1" dirty="0" smtClean="0"/>
-              <a:t>8: </a:t>
-            </a:r>
-            <a:r>
-              <a:rPr lang="en-US" b="1" dirty="0"/>
-              <a:t>Most Popular Topics via Word Cloud</a:t>
+              <a:t>Figure 8: Most Popular Topics via Word Cloud</a:t>
             </a:r>
           </a:p>
           <a:p>
@@ -21218,15 +21057,7 @@
             </a:pPr>
             <a:r>
               <a:rPr lang="en-US" b="1" dirty="0"/>
-              <a:t>Figure </a:t>
-            </a:r>
-            <a:r>
-              <a:rPr lang="en-US" b="1" dirty="0" smtClean="0"/>
-              <a:t>9: </a:t>
-            </a:r>
-            <a:r>
-              <a:rPr lang="en-US" b="1" dirty="0"/>
-              <a:t>TOP 10 popular topics</a:t>
+              <a:t>Figure 9: TOP 10 popular topics</a:t>
             </a:r>
           </a:p>
           <a:p>
@@ -21264,15 +21095,7 @@
             </a:pPr>
             <a:r>
               <a:rPr lang="en-US" b="1" dirty="0"/>
-              <a:t>Figure </a:t>
-            </a:r>
-            <a:r>
-              <a:rPr lang="en-US" b="1" dirty="0" smtClean="0"/>
-              <a:t>7: </a:t>
-            </a:r>
-            <a:r>
-              <a:rPr lang="en-US" b="1" dirty="0"/>
-              <a:t>Feature Importance of Random Forest Classifier</a:t>
+              <a:t>Figure 7: Feature Importance of Random Forest Classifier</a:t>
             </a:r>
           </a:p>
         </p:txBody>
@@ -21298,16 +21121,12 @@
           <a:lstStyle/>
           <a:p>
             <a:r>
-              <a:rPr lang="en-US" dirty="0" smtClean="0">
+              <a:rPr lang="en-US" dirty="0">
                 <a:latin typeface="Times New Roman" panose="02020603050405020304" pitchFamily="18" charset="0"/>
                 <a:cs typeface="Times New Roman" panose="02020603050405020304" pitchFamily="18" charset="0"/>
               </a:rPr>
               <a:t>Techniques </a:t>
             </a:r>
-            <a:endParaRPr lang="en-US" dirty="0">
-              <a:latin typeface="Times New Roman" panose="02020603050405020304" pitchFamily="18" charset="0"/>
-              <a:cs typeface="Times New Roman" panose="02020603050405020304" pitchFamily="18" charset="0"/>
-            </a:endParaRPr>
           </a:p>
         </p:txBody>
       </p:sp>
@@ -21337,7 +21156,7 @@
               <a:buNone/>
             </a:pPr>
             <a:r>
-              <a:rPr lang="en-US" sz="3600" b="1" dirty="0" smtClean="0">
+              <a:rPr lang="en-US" sz="3600" b="1" dirty="0">
                 <a:latin typeface="Times New Roman" panose="02020603050405020304" pitchFamily="18" charset="0"/>
                 <a:cs typeface="Times New Roman" panose="02020603050405020304" pitchFamily="18" charset="0"/>
               </a:rPr>
@@ -21346,7 +21165,7 @@
           </a:p>
           <a:p>
             <a:r>
-              <a:rPr lang="en-US" dirty="0" smtClean="0">
+              <a:rPr lang="en-US" dirty="0">
                 <a:latin typeface="Times New Roman" panose="02020603050405020304" pitchFamily="18" charset="0"/>
                 <a:cs typeface="Times New Roman" panose="02020603050405020304" pitchFamily="18" charset="0"/>
               </a:rPr>
@@ -21355,7 +21174,7 @@
           </a:p>
           <a:p>
             <a:r>
-              <a:rPr lang="en-US" dirty="0" smtClean="0">
+              <a:rPr lang="en-US" dirty="0">
                 <a:latin typeface="Times New Roman" panose="02020603050405020304" pitchFamily="18" charset="0"/>
                 <a:cs typeface="Times New Roman" panose="02020603050405020304" pitchFamily="18" charset="0"/>
               </a:rPr>
@@ -21364,7 +21183,7 @@
           </a:p>
           <a:p>
             <a:r>
-              <a:rPr lang="en-US" dirty="0" smtClean="0">
+              <a:rPr lang="en-US" dirty="0">
                 <a:latin typeface="Times New Roman" panose="02020603050405020304" pitchFamily="18" charset="0"/>
                 <a:cs typeface="Times New Roman" panose="02020603050405020304" pitchFamily="18" charset="0"/>
               </a:rPr>
@@ -21373,7 +21192,7 @@
           </a:p>
           <a:p>
             <a:r>
-              <a:rPr lang="en-US" dirty="0" smtClean="0">
+              <a:rPr lang="en-US" dirty="0">
                 <a:latin typeface="Times New Roman" panose="02020603050405020304" pitchFamily="18" charset="0"/>
                 <a:cs typeface="Times New Roman" panose="02020603050405020304" pitchFamily="18" charset="0"/>
               </a:rPr>
@@ -21420,7 +21239,7 @@
               <a:buNone/>
             </a:pPr>
             <a:r>
-              <a:rPr lang="en-US" sz="3600" b="1" dirty="0" smtClean="0">
+              <a:rPr lang="en-US" sz="3600" b="1" dirty="0">
                 <a:latin typeface="Times New Roman" panose="02020603050405020304" pitchFamily="18" charset="0"/>
                 <a:cs typeface="Times New Roman" panose="02020603050405020304" pitchFamily="18" charset="0"/>
               </a:rPr>
@@ -21429,7 +21248,7 @@
           </a:p>
           <a:p>
             <a:r>
-              <a:rPr lang="en-US" dirty="0" smtClean="0">
+              <a:rPr lang="en-US" dirty="0">
                 <a:latin typeface="Times New Roman" panose="02020603050405020304" pitchFamily="18" charset="0"/>
                 <a:cs typeface="Times New Roman" panose="02020603050405020304" pitchFamily="18" charset="0"/>
               </a:rPr>
@@ -21438,7 +21257,7 @@
           </a:p>
           <a:p>
             <a:r>
-              <a:rPr lang="en-US" dirty="0" smtClean="0">
+              <a:rPr lang="en-US" dirty="0">
                 <a:latin typeface="Times New Roman" panose="02020603050405020304" pitchFamily="18" charset="0"/>
                 <a:cs typeface="Times New Roman" panose="02020603050405020304" pitchFamily="18" charset="0"/>
               </a:rPr>
@@ -21447,7 +21266,7 @@
           </a:p>
           <a:p>
             <a:r>
-              <a:rPr lang="en-US" dirty="0" smtClean="0">
+              <a:rPr lang="en-US" dirty="0">
                 <a:latin typeface="Times New Roman" panose="02020603050405020304" pitchFamily="18" charset="0"/>
                 <a:cs typeface="Times New Roman" panose="02020603050405020304" pitchFamily="18" charset="0"/>
               </a:rPr>
@@ -21456,18 +21275,11 @@
           </a:p>
           <a:p>
             <a:r>
-              <a:rPr lang="en-US" dirty="0" smtClean="0">
-                <a:latin typeface="Times New Roman" panose="02020603050405020304" pitchFamily="18" charset="0"/>
-                <a:cs typeface="Times New Roman" panose="02020603050405020304" pitchFamily="18" charset="0"/>
-              </a:rPr>
-              <a:t>Multinomial </a:t>
-            </a:r>
-            <a:r>
               <a:rPr lang="en-US" dirty="0">
                 <a:latin typeface="Times New Roman" panose="02020603050405020304" pitchFamily="18" charset="0"/>
                 <a:cs typeface="Times New Roman" panose="02020603050405020304" pitchFamily="18" charset="0"/>
               </a:rPr>
-              <a:t>Naïve Bayes</a:t>
+              <a:t>Multinomial Naïve Bayes</a:t>
             </a:r>
           </a:p>
           <a:p>
@@ -21529,16 +21341,12 @@
           <a:lstStyle/>
           <a:p>
             <a:r>
-              <a:rPr lang="en-US" dirty="0" smtClean="0">
+              <a:rPr lang="en-US" dirty="0">
                 <a:latin typeface="Times New Roman" panose="02020603050405020304" pitchFamily="18" charset="0"/>
                 <a:cs typeface="Times New Roman" panose="02020603050405020304" pitchFamily="18" charset="0"/>
               </a:rPr>
               <a:t>Data Preprocessing</a:t>
             </a:r>
-            <a:endParaRPr lang="en-US" dirty="0">
-              <a:latin typeface="Times New Roman" panose="02020603050405020304" pitchFamily="18" charset="0"/>
-              <a:cs typeface="Times New Roman" panose="02020603050405020304" pitchFamily="18" charset="0"/>
-            </a:endParaRPr>
           </a:p>
         </p:txBody>
       </p:sp>
@@ -21632,13 +21440,8 @@
             </a:pPr>
             <a:r>
               <a:rPr lang="en-US" sz="1300" b="1" dirty="0"/>
-              <a:t>Figure </a:t>
+              <a:t>Figure 2: Convert UNIX Timestamp to Human Date</a:t>
             </a:r>
-            <a:r>
-              <a:rPr lang="en-US" sz="1300" b="1" dirty="0" smtClean="0"/>
-              <a:t>2: Convert UNIX Timestamp to Human Date</a:t>
-            </a:r>
-            <a:endParaRPr lang="en-US" sz="1300" b="1" dirty="0"/>
           </a:p>
         </p:txBody>
       </p:sp>
@@ -21702,17 +21505,12 @@
             </a:pPr>
             <a:r>
               <a:rPr lang="en-US" sz="1300" b="1" dirty="0"/>
-              <a:t>Figure 3</a:t>
+              <a:t>Figure 3: Adding a Event Class Feature based on </a:t>
             </a:r>
             <a:r>
-              <a:rPr lang="en-US" sz="1300" b="1" dirty="0" smtClean="0"/>
-              <a:t>: Adding a Event Class Feature based on </a:t>
-            </a:r>
-            <a:r>
-              <a:rPr lang="en-US" sz="1300" b="1" i="1" dirty="0" smtClean="0"/>
+              <a:rPr lang="en-US" sz="1300" b="1" i="1" dirty="0"/>
               <a:t>event</a:t>
             </a:r>
-            <a:endParaRPr lang="en-US" sz="1300" b="1" i="1" dirty="0"/>
           </a:p>
         </p:txBody>
       </p:sp>
@@ -21746,11 +21544,7 @@
             </a:pPr>
             <a:r>
               <a:rPr lang="en-US" sz="1300" b="1" dirty="0"/>
-              <a:t>Figure </a:t>
-            </a:r>
-            <a:r>
-              <a:rPr lang="en-US" sz="1300" b="1" dirty="0" smtClean="0"/>
-              <a:t>1: Convert ratings from string object to a matrix table</a:t>
+              <a:t>Figure 1: Convert ratings from string object to a matrix table</a:t>
             </a:r>
             <a:endParaRPr lang="en-US" sz="1300" b="1" i="1" dirty="0"/>
           </a:p>
@@ -21766,13 +21560,6 @@
   <p:clrMapOvr>
     <a:masterClrMapping/>
   </p:clrMapOvr>
-  <p:timing>
-    <p:tnLst>
-      <p:par>
-        <p:cTn id="1" dur="indefinite" restart="never" nodeType="tmRoot"/>
-      </p:par>
-    </p:tnLst>
-  </p:timing>
 </p:sld>
 </file>
 
